--- a/Documents/QA Powerpoints/Module 1.pptx
+++ b/Documents/QA Powerpoints/Module 1.pptx
@@ -2065,8 +2065,34 @@
             </a:r>
             <a:r>
               <a:rPr lang="en-GB" baseline="0" dirty="0" smtClean="0"/>
-              <a:t> is business required; but not required at the database level.</a:t>
-            </a:r>
+              <a:t> is business required; but not required at the database level</a:t>
+            </a:r>
+            <a:r>
+              <a:rPr lang="en-GB" baseline="0" dirty="0" smtClean="0"/>
+              <a:t>.</a:t>
+            </a:r>
+          </a:p>
+          <a:p>
+            <a:endParaRPr lang="en-GB" baseline="0" dirty="0" smtClean="0"/>
+          </a:p>
+          <a:p>
+            <a:r>
+              <a:rPr lang="en-GB" baseline="0" dirty="0" err="1" smtClean="0"/>
+              <a:t>WebAPI</a:t>
+            </a:r>
+            <a:r>
+              <a:rPr lang="en-GB" baseline="0" dirty="0" smtClean="0"/>
+              <a:t> is the future. Use </a:t>
+            </a:r>
+            <a:r>
+              <a:rPr lang="en-GB" baseline="0" dirty="0" err="1" smtClean="0"/>
+              <a:t>CRMRestBuilder</a:t>
+            </a:r>
+            <a:r>
+              <a:rPr lang="en-GB" baseline="0" dirty="0" smtClean="0"/>
+              <a:t> to design queries.</a:t>
+            </a:r>
+            <a:endParaRPr lang="en-GB" baseline="0" dirty="0" smtClean="0"/>
           </a:p>
         </p:txBody>
       </p:sp>
@@ -3112,7 +3138,12 @@
             <p:ph type="sldImg"/>
           </p:nvPr>
         </p:nvSpPr>
-        <p:spPr/>
+        <p:spPr>
+          <a:xfrm>
+            <a:off x="571500" y="581025"/>
+            <a:ext cx="5715000" cy="3216275"/>
+          </a:xfrm>
+        </p:spPr>
       </p:sp>
       <p:sp>
         <p:nvSpPr>
@@ -3439,7 +3470,12 @@
             <p:ph type="sldImg"/>
           </p:nvPr>
         </p:nvSpPr>
-        <p:spPr/>
+        <p:spPr>
+          <a:xfrm>
+            <a:off x="571500" y="581025"/>
+            <a:ext cx="5715000" cy="3216275"/>
+          </a:xfrm>
+        </p:spPr>
       </p:sp>
       <p:sp>
         <p:nvSpPr>
@@ -7068,11 +7104,11 @@
   <p:clrMapOvr>
     <a:masterClrMapping/>
   </p:clrMapOvr>
-  <mc:AlternateContent xmlns:mc="http://schemas.openxmlformats.org/markup-compatibility/2006">
-    <mc:Choice xmlns:p14="http://schemas.microsoft.com/office/powerpoint/2010/main" Requires="p14">
+  <mc:AlternateContent xmlns:mc="http://schemas.openxmlformats.org/markup-compatibility/2006" xmlns:p14="http://schemas.microsoft.com/office/powerpoint/2010/main">
+    <mc:Choice Requires="p14">
       <p:transition spd="slow" p14:dur="2000"/>
     </mc:Choice>
-    <mc:Fallback>
+    <mc:Fallback xmlns="">
       <p:transition spd="slow"/>
     </mc:Fallback>
   </mc:AlternateContent>
@@ -7143,10 +7179,24 @@
           <a:p>
             <a:r>
               <a:rPr lang="en-US" dirty="0"/>
-              <a:t>Offline and online (Microsoft Dynamics CRM Client for Microsoft Office Outlook)</a:t>
-            </a:r>
-          </a:p>
-          <a:p>
+              <a:t>Offline and online (Microsoft Dynamics CRM Client for Microsoft Office Outlook</a:t>
+            </a:r>
+            <a:r>
+              <a:rPr lang="en-US" dirty="0" smtClean="0"/>
+              <a:t>)</a:t>
+            </a:r>
+          </a:p>
+          <a:p>
+            <a:endParaRPr lang="en-US" dirty="0"/>
+          </a:p>
+          <a:p>
+            <a:pPr marL="0" indent="0">
+              <a:buNone/>
+            </a:pPr>
+            <a:r>
+              <a:rPr lang="en-US" dirty="0" smtClean="0"/>
+              <a:t>Future – Outlook plugins deprecated</a:t>
+            </a:r>
             <a:endParaRPr lang="en-GB" dirty="0"/>
           </a:p>
         </p:txBody>
@@ -7748,7 +7798,6 @@
               <a:rPr lang="en-US" dirty="0"/>
               <a:t>Unmanaged</a:t>
             </a:r>
-            <a:endParaRPr lang="en-US" dirty="0"/>
           </a:p>
         </p:txBody>
       </p:sp>
@@ -7886,7 +7935,6 @@
               <a:rPr lang="en-US" dirty="0"/>
               <a:t>SQL Reporting Services</a:t>
             </a:r>
-            <a:endParaRPr lang="en-US" dirty="0"/>
           </a:p>
         </p:txBody>
       </p:sp>
@@ -8135,11 +8183,11 @@
   <p:clrMapOvr>
     <a:masterClrMapping/>
   </p:clrMapOvr>
-  <mc:AlternateContent xmlns:mc="http://schemas.openxmlformats.org/markup-compatibility/2006">
-    <mc:Choice xmlns:p14="http://schemas.microsoft.com/office/powerpoint/2010/main" Requires="p14">
+  <mc:AlternateContent xmlns:mc="http://schemas.openxmlformats.org/markup-compatibility/2006" xmlns:p14="http://schemas.microsoft.com/office/powerpoint/2010/main">
+    <mc:Choice Requires="p14">
       <p:transition spd="slow" p14:dur="2000"/>
     </mc:Choice>
-    <mc:Fallback>
+    <mc:Fallback xmlns="">
       <p:transition spd="slow"/>
     </mc:Fallback>
   </mc:AlternateContent>
@@ -8300,7 +8348,6 @@
               <a:rPr lang="en-US" dirty="0"/>
               <a:t>List of resources</a:t>
             </a:r>
-            <a:endParaRPr lang="en-US" dirty="0"/>
           </a:p>
         </p:txBody>
       </p:sp>
@@ -8565,7 +8612,6 @@
               <a:rPr lang="en-US" dirty="0"/>
               <a:t>Declarative Design Model</a:t>
             </a:r>
-            <a:endParaRPr lang="en-US" dirty="0"/>
           </a:p>
         </p:txBody>
       </p:sp>
@@ -8683,23 +8729,71 @@
           <a:p>
             <a:pPr lvl="1"/>
             <a:r>
-              <a:rPr lang="en-GB" dirty="0" err="1"/>
+              <a:rPr lang="en-GB" dirty="0" err="1" smtClean="0"/>
+              <a:t>Xrm</a:t>
+            </a:r>
+            <a:r>
+              <a:rPr lang="en-GB" dirty="0" smtClean="0"/>
+              <a:t> Toolbox </a:t>
+            </a:r>
+            <a:r>
+              <a:rPr lang="en-GB" dirty="0"/>
+              <a:t>(including </a:t>
+            </a:r>
+            <a:r>
+              <a:rPr lang="en-GB" dirty="0" err="1" smtClean="0"/>
               <a:t>RibbonWorkbench</a:t>
             </a:r>
             <a:r>
               <a:rPr lang="en-GB" dirty="0"/>
-              <a:t>, </a:t>
-            </a:r>
-            <a:r>
-              <a:rPr lang="en-GB" dirty="0" err="1"/>
-              <a:t>Xrm</a:t>
-            </a:r>
-            <a:r>
-              <a:rPr lang="en-GB" dirty="0"/>
-              <a:t> Toolbox</a:t>
-            </a:r>
-          </a:p>
-          <a:p>
+              <a:t> </a:t>
+            </a:r>
+            <a:r>
+              <a:rPr lang="en-GB" dirty="0" smtClean="0"/>
+              <a:t>)</a:t>
+            </a:r>
+            <a:endParaRPr lang="en-GB" dirty="0" smtClean="0"/>
+          </a:p>
+          <a:p>
+            <a:pPr lvl="1"/>
+            <a:r>
+              <a:rPr lang="en-GB" dirty="0" smtClean="0"/>
+              <a:t>Entity metadata Browser</a:t>
+            </a:r>
+          </a:p>
+          <a:p>
+            <a:pPr lvl="1"/>
+            <a:r>
+              <a:rPr lang="en-GB" dirty="0" smtClean="0"/>
+              <a:t>Unit testing framework – </a:t>
+            </a:r>
+            <a:r>
+              <a:rPr lang="en-GB" dirty="0" err="1" smtClean="0"/>
+              <a:t>FakeXrmEasy</a:t>
+            </a:r>
+            <a:endParaRPr lang="en-GB" dirty="0" smtClean="0"/>
+          </a:p>
+          <a:p>
+            <a:pPr lvl="1"/>
+            <a:r>
+              <a:rPr lang="en-GB" dirty="0" err="1" smtClean="0"/>
+              <a:t>CRMRestBuilder</a:t>
+            </a:r>
+            <a:endParaRPr lang="en-GB" dirty="0"/>
+          </a:p>
+          <a:p>
+            <a:r>
+              <a:rPr lang="en-GB" dirty="0" smtClean="0"/>
+              <a:t>SSIS – </a:t>
+            </a:r>
+            <a:r>
+              <a:rPr lang="en-GB" dirty="0" err="1" smtClean="0"/>
+              <a:t>Kingswaysoft</a:t>
+            </a:r>
+            <a:r>
+              <a:rPr lang="en-GB" dirty="0" smtClean="0"/>
+              <a:t> CRM adapter.</a:t>
+            </a:r>
             <a:endParaRPr lang="en-GB" dirty="0"/>
           </a:p>
         </p:txBody>
@@ -8912,7 +9006,26 @@
             </a:r>
             <a:r>
               <a:rPr lang="en-US" dirty="0"/>
-              <a:t> scripts</a:t>
+              <a:t> </a:t>
+            </a:r>
+            <a:r>
+              <a:rPr lang="en-US" dirty="0" smtClean="0"/>
+              <a:t>scripts</a:t>
+            </a:r>
+          </a:p>
+          <a:p>
+            <a:pPr marL="0" indent="0">
+              <a:buNone/>
+            </a:pPr>
+            <a:endParaRPr lang="en-US" dirty="0" smtClean="0"/>
+          </a:p>
+          <a:p>
+            <a:pPr marL="0" indent="0">
+              <a:buNone/>
+            </a:pPr>
+            <a:r>
+              <a:rPr lang="en-US" dirty="0" smtClean="0"/>
+              <a:t>Future – new Unified Interface and App Designer</a:t>
             </a:r>
             <a:endParaRPr lang="en-GB" dirty="0"/>
           </a:p>
@@ -9027,8 +9140,49 @@
           <a:p>
             <a:r>
               <a:rPr lang="en-US" dirty="0"/>
-              <a:t>Business Rules, single and multi Form or Entity specific</a:t>
-            </a:r>
+              <a:t>Business Rules, single and multi Form or Entity </a:t>
+            </a:r>
+            <a:r>
+              <a:rPr lang="en-US" dirty="0" smtClean="0"/>
+              <a:t>specific</a:t>
+            </a:r>
+          </a:p>
+          <a:p>
+            <a:pPr marL="0" indent="0">
+              <a:buNone/>
+            </a:pPr>
+            <a:endParaRPr lang="en-US" dirty="0"/>
+          </a:p>
+          <a:p>
+            <a:pPr marL="0" indent="0">
+              <a:buNone/>
+            </a:pPr>
+            <a:r>
+              <a:rPr lang="en-US" dirty="0" smtClean="0"/>
+              <a:t>Future – </a:t>
+            </a:r>
+            <a:r>
+              <a:rPr lang="en-US" dirty="0" err="1" smtClean="0"/>
+              <a:t>Xrm.Webapi</a:t>
+            </a:r>
+            <a:r>
+              <a:rPr lang="en-US" dirty="0" smtClean="0"/>
+              <a:t> – use REST API</a:t>
+            </a:r>
+          </a:p>
+          <a:p>
+            <a:pPr marL="0" indent="0">
+              <a:buNone/>
+            </a:pPr>
+            <a:r>
+              <a:rPr lang="en-US" dirty="0" err="1" smtClean="0"/>
+              <a:t>Xrm.Page</a:t>
+            </a:r>
+            <a:r>
+              <a:rPr lang="en-US" dirty="0" smtClean="0"/>
+              <a:t> deprecated</a:t>
+            </a:r>
+            <a:endParaRPr lang="en-US" dirty="0"/>
           </a:p>
           <a:p>
             <a:endParaRPr lang="en-GB" dirty="0"/>
@@ -9140,11 +9294,11 @@
   <p:clrMapOvr>
     <a:masterClrMapping/>
   </p:clrMapOvr>
-  <mc:AlternateContent xmlns:mc="http://schemas.openxmlformats.org/markup-compatibility/2006">
-    <mc:Choice xmlns:p14="http://schemas.microsoft.com/office/powerpoint/2010/main" Requires="p14">
+  <mc:AlternateContent xmlns:mc="http://schemas.openxmlformats.org/markup-compatibility/2006" xmlns:p14="http://schemas.microsoft.com/office/powerpoint/2010/main">
+    <mc:Choice Requires="p14">
       <p:transition spd="slow" p14:dur="2000"/>
     </mc:Choice>
-    <mc:Fallback>
+    <mc:Fallback xmlns="">
       <p:transition spd="slow"/>
     </mc:Fallback>
   </mc:AlternateContent>
